--- a/计算机基础知识/计算机基础/计算机基础知识_第3章.pptx
+++ b/计算机基础知识/计算机基础/计算机基础知识_第3章.pptx
@@ -15487,7 +15487,6 @@
           <a:p>
             <a:r>
               <a:rPr lang="zh-CN" altLang="zh-CN" sz="3110">
-                <a:ln/>
                 <a:solidFill>
                   <a:schemeClr val="accent1"/>
                 </a:solidFill>
@@ -15502,7 +15501,6 @@
               <a:t>章节练习</a:t>
             </a:r>
             <a:endParaRPr lang="zh-CN" altLang="zh-CN" sz="3110">
-              <a:ln/>
               <a:solidFill>
                 <a:schemeClr val="accent1"/>
               </a:solidFill>
@@ -16264,7 +16262,7 @@
                   <a:schemeClr val="tx2"/>
                 </a:solidFill>
                 <a:sym typeface="+mn-ea"/>
-                <a:hlinkClick r:id="rId3" tooltip="" action="ppaction://hlinksldjump"/>
+                <a:hlinkClick r:id="rId3" action="ppaction://hlinksldjump"/>
               </a:rPr>
               <a:t>计算机病毒防治</a:t>
             </a:r>
@@ -16324,6 +16322,7 @@
                 </a:solidFill>
                 <a:latin typeface="微软雅黑" panose="020B0503020204020204" pitchFamily="34" charset="-122"/>
                 <a:cs typeface="微软雅黑" panose="020B0503020204020204" pitchFamily="34" charset="-122"/>
+                <a:sym typeface="+mn-ea"/>
               </a:rPr>
               <a:t>第五章</a:t>
             </a:r>
@@ -16334,48 +16333,31 @@
                 </a:solidFill>
                 <a:latin typeface="微软雅黑" panose="020B0503020204020204" pitchFamily="34" charset="-122"/>
                 <a:cs typeface="微软雅黑" panose="020B0503020204020204" pitchFamily="34" charset="-122"/>
+                <a:sym typeface="+mn-ea"/>
               </a:rPr>
-              <a:t>.多媒体技术的概念与应用</a:t>
-            </a:r>
-            <a:endParaRPr lang="en-US" altLang="zh-CN">
-              <a:solidFill>
-                <a:schemeClr val="tx2"/>
-              </a:solidFill>
-              <a:latin typeface="微软雅黑" panose="020B0503020204020204" pitchFamily="34" charset="-122"/>
-              <a:cs typeface="微软雅黑" panose="020B0503020204020204" pitchFamily="34" charset="-122"/>
-            </a:endParaRPr>
-          </a:p>
-          <a:p>
-            <a:pPr algn="l"/>
-            <a:r>
-              <a:rPr lang="zh-CN" altLang="en-US">
+              <a:t>.</a:t>
+            </a:r>
+            <a:r>
+              <a:rPr lang="en-US" altLang="zh-CN">
                 <a:solidFill>
                   <a:schemeClr val="tx2"/>
                 </a:solidFill>
                 <a:latin typeface="微软雅黑" panose="020B0503020204020204" pitchFamily="34" charset="-122"/>
                 <a:cs typeface="微软雅黑" panose="020B0503020204020204" pitchFamily="34" charset="-122"/>
+                <a:sym typeface="+mn-ea"/>
               </a:rPr>
-              <a:t>第六章</a:t>
-            </a:r>
-            <a:r>
-              <a:rPr lang="en-US" altLang="zh-CN">
+              <a:t>多媒体技术</a:t>
+            </a:r>
+            <a:r>
+              <a:rPr lang="zh-CN" altLang="en-US">
                 <a:solidFill>
                   <a:schemeClr val="tx2"/>
                 </a:solidFill>
                 <a:latin typeface="微软雅黑" panose="020B0503020204020204" pitchFamily="34" charset="-122"/>
                 <a:cs typeface="微软雅黑" panose="020B0503020204020204" pitchFamily="34" charset="-122"/>
+                <a:sym typeface="+mn-ea"/>
               </a:rPr>
-              <a:t>.</a:t>
-            </a:r>
-            <a:r>
-              <a:rPr lang="zh-CN" altLang="en-US">
-                <a:solidFill>
-                  <a:schemeClr val="tx2"/>
-                </a:solidFill>
-                <a:latin typeface="微软雅黑" panose="020B0503020204020204" pitchFamily="34" charset="-122"/>
-                <a:cs typeface="微软雅黑" panose="020B0503020204020204" pitchFamily="34" charset="-122"/>
-              </a:rPr>
-              <a:t>计算机网络信息的应用</a:t>
+              <a:t>与计算机网络</a:t>
             </a:r>
             <a:endParaRPr lang="zh-CN" altLang="en-US">
               <a:solidFill>
@@ -16676,13 +16658,13 @@
             <a:pPr algn="l"/>
             <a:r>
               <a:rPr lang="en-US" altLang="zh-CN">
-                <a:hlinkClick r:id="rId3" tooltip="" action="ppaction://hlinksldjump"/>
+                <a:hlinkClick r:id="rId3" action="ppaction://hlinksldjump"/>
               </a:rPr>
               <a:t>1.</a:t>
             </a:r>
             <a:r>
               <a:rPr lang="zh-CN" altLang="en-US">
-                <a:hlinkClick r:id="rId3" tooltip="" action="ppaction://hlinksldjump"/>
+                <a:hlinkClick r:id="rId3" action="ppaction://hlinksldjump"/>
               </a:rPr>
               <a:t>认识计算机病毒</a:t>
             </a:r>
@@ -16692,18 +16674,18 @@
             <a:pPr algn="l"/>
             <a:r>
               <a:rPr lang="en-US" altLang="zh-CN">
-                <a:hlinkClick r:id="rId4" tooltip="" action="ppaction://hlinksldjump"/>
+                <a:hlinkClick r:id="rId4" action="ppaction://hlinksldjump"/>
               </a:rPr>
               <a:t>2.</a:t>
             </a:r>
             <a:r>
               <a:rPr lang="zh-CN" altLang="en-US">
-                <a:hlinkClick r:id="rId4" tooltip="" action="ppaction://hlinksldjump"/>
+                <a:hlinkClick r:id="rId4" action="ppaction://hlinksldjump"/>
               </a:rPr>
               <a:t>计算机病毒的特点</a:t>
             </a:r>
             <a:endParaRPr lang="zh-CN" altLang="en-US">
-              <a:hlinkClick r:id="rId4" tooltip="" action="ppaction://hlinksldjump"/>
+              <a:hlinkClick r:id="rId4" action="ppaction://hlinksldjump"/>
             </a:endParaRPr>
           </a:p>
           <a:p>
@@ -16711,32 +16693,32 @@
             <a:r>
               <a:rPr lang="en-US" altLang="zh-CN" sz="2200">
                 <a:sym typeface="+mn-ea"/>
-                <a:hlinkClick r:id="rId5" tooltip="" action="ppaction://hlinksldjump"/>
+                <a:hlinkClick r:id="rId5" action="ppaction://hlinksldjump"/>
               </a:rPr>
               <a:t>3.</a:t>
             </a:r>
             <a:r>
               <a:rPr lang="zh-CN" altLang="en-US" sz="2200">
                 <a:sym typeface="+mn-ea"/>
-                <a:hlinkClick r:id="rId5" tooltip="" action="ppaction://hlinksldjump"/>
+                <a:hlinkClick r:id="rId5" action="ppaction://hlinksldjump"/>
               </a:rPr>
               <a:t>计算机病毒的工作原理</a:t>
             </a:r>
             <a:endParaRPr lang="zh-CN" altLang="en-US" sz="2200">
-              <a:hlinkClick r:id="rId4" tooltip="" action="ppaction://hlinksldjump"/>
+              <a:hlinkClick r:id="rId4" action="ppaction://hlinksldjump"/>
             </a:endParaRPr>
           </a:p>
           <a:p>
             <a:pPr algn="l"/>
             <a:r>
               <a:rPr lang="en-US" altLang="zh-CN">
-                <a:hlinkClick r:id="rId6" tooltip="" action="ppaction://hlinksldjump"/>
+                <a:hlinkClick r:id="rId6" action="ppaction://hlinksldjump"/>
               </a:rPr>
               <a:t>4.</a:t>
             </a:r>
             <a:r>
               <a:rPr lang="zh-CN" altLang="en-US">
-                <a:hlinkClick r:id="rId6" tooltip="" action="ppaction://hlinksldjump"/>
+                <a:hlinkClick r:id="rId6" action="ppaction://hlinksldjump"/>
               </a:rPr>
               <a:t>计算机病毒的症状</a:t>
             </a:r>
@@ -16746,13 +16728,13 @@
             <a:pPr algn="l"/>
             <a:r>
               <a:rPr lang="en-US" altLang="zh-CN">
-                <a:hlinkClick r:id="rId7" tooltip="" action="ppaction://hlinksldjump"/>
+                <a:hlinkClick r:id="rId7" action="ppaction://hlinksldjump"/>
               </a:rPr>
               <a:t>5.</a:t>
             </a:r>
             <a:r>
               <a:rPr lang="zh-CN" altLang="en-US">
-                <a:hlinkClick r:id="rId7" tooltip="" action="ppaction://hlinksldjump"/>
+                <a:hlinkClick r:id="rId7" action="ppaction://hlinksldjump"/>
               </a:rPr>
               <a:t>计算机病毒的防治</a:t>
             </a:r>
@@ -17310,7 +17292,6 @@
             </a:pPr>
             <a:r>
               <a:rPr lang="zh-CN" altLang="en-US">
-                <a:ln/>
                 <a:solidFill>
                   <a:schemeClr val="tx1"/>
                 </a:solidFill>
@@ -17325,7 +17306,6 @@
               <a:t>计算机病毒与其它合法程序一样是一段可执行程序，但它不是一个完完整的程序，而是寄生在其他可执行程”序上，当执行这个程序时，病毒就其破坏，使程序不能正常运行计算机病</a:t>
             </a:r>
             <a:endParaRPr lang="zh-CN" altLang="en-US">
-              <a:ln/>
               <a:solidFill>
                 <a:schemeClr val="tx1"/>
               </a:solidFill>
@@ -17346,7 +17326,6 @@
             </a:pPr>
             <a:r>
               <a:rPr lang="zh-CN" altLang="en-US">
-                <a:ln/>
                 <a:solidFill>
                   <a:schemeClr val="tx1"/>
                 </a:solidFill>
@@ -17361,7 +17340,6 @@
               <a:t>，未启动这个程序之前，它是不易被人发觉的。</a:t>
             </a:r>
             <a:endParaRPr lang="zh-CN" altLang="en-US">
-              <a:ln/>
               <a:solidFill>
                 <a:schemeClr val="tx1"/>
               </a:solidFill>
